--- a/Journal/Outputs.pptx
+++ b/Journal/Outputs.pptx
@@ -4914,10 +4914,10 @@
       </p:pic>
       <p:pic>
         <p:nvPicPr>
-          <p:cNvPr id="22" name="Picture 21">
+          <p:cNvPr id="4" name="Picture 3">
             <a:extLst>
               <a:ext uri="{FF2B5EF4-FFF2-40B4-BE49-F238E27FC236}">
-                <a16:creationId xmlns:a16="http://schemas.microsoft.com/office/drawing/2014/main" id="{D9552DB6-B800-037A-D401-95B891DA5388}"/>
+                <a16:creationId xmlns:a16="http://schemas.microsoft.com/office/drawing/2014/main" id="{E68C3750-A399-2B47-F59A-9B3A90379CDF}"/>
               </a:ext>
             </a:extLst>
           </p:cNvPr>
@@ -4935,7 +4935,7 @@
         <p:spPr>
           <a:xfrm>
             <a:off x="304364" y="8399689"/>
-            <a:ext cx="3452159" cy="472481"/>
+            <a:ext cx="4854490" cy="245042"/>
           </a:xfrm>
           <a:prstGeom prst="rect">
             <a:avLst/>

--- a/Journal/Outputs.pptx
+++ b/Journal/Outputs.pptx
@@ -250,7 +250,7 @@
           <a:p>
             <a:fld id="{6A3A2322-4CA8-41DC-B141-A4664ADA6422}" type="datetimeFigureOut">
               <a:rPr lang="en-IN" smtClean="0"/>
-              <a:t>24-12-2024</a:t>
+              <a:t>25-12-2024</a:t>
             </a:fld>
             <a:endParaRPr lang="en-IN"/>
           </a:p>
@@ -420,7 +420,7 @@
           <a:p>
             <a:fld id="{6A3A2322-4CA8-41DC-B141-A4664ADA6422}" type="datetimeFigureOut">
               <a:rPr lang="en-IN" smtClean="0"/>
-              <a:t>24-12-2024</a:t>
+              <a:t>25-12-2024</a:t>
             </a:fld>
             <a:endParaRPr lang="en-IN"/>
           </a:p>
@@ -600,7 +600,7 @@
           <a:p>
             <a:fld id="{6A3A2322-4CA8-41DC-B141-A4664ADA6422}" type="datetimeFigureOut">
               <a:rPr lang="en-IN" smtClean="0"/>
-              <a:t>24-12-2024</a:t>
+              <a:t>25-12-2024</a:t>
             </a:fld>
             <a:endParaRPr lang="en-IN"/>
           </a:p>
@@ -770,7 +770,7 @@
           <a:p>
             <a:fld id="{6A3A2322-4CA8-41DC-B141-A4664ADA6422}" type="datetimeFigureOut">
               <a:rPr lang="en-IN" smtClean="0"/>
-              <a:t>24-12-2024</a:t>
+              <a:t>25-12-2024</a:t>
             </a:fld>
             <a:endParaRPr lang="en-IN"/>
           </a:p>
@@ -1014,7 +1014,7 @@
           <a:p>
             <a:fld id="{6A3A2322-4CA8-41DC-B141-A4664ADA6422}" type="datetimeFigureOut">
               <a:rPr lang="en-IN" smtClean="0"/>
-              <a:t>24-12-2024</a:t>
+              <a:t>25-12-2024</a:t>
             </a:fld>
             <a:endParaRPr lang="en-IN"/>
           </a:p>
@@ -1246,7 +1246,7 @@
           <a:p>
             <a:fld id="{6A3A2322-4CA8-41DC-B141-A4664ADA6422}" type="datetimeFigureOut">
               <a:rPr lang="en-IN" smtClean="0"/>
-              <a:t>24-12-2024</a:t>
+              <a:t>25-12-2024</a:t>
             </a:fld>
             <a:endParaRPr lang="en-IN"/>
           </a:p>
@@ -1613,7 +1613,7 @@
           <a:p>
             <a:fld id="{6A3A2322-4CA8-41DC-B141-A4664ADA6422}" type="datetimeFigureOut">
               <a:rPr lang="en-IN" smtClean="0"/>
-              <a:t>24-12-2024</a:t>
+              <a:t>25-12-2024</a:t>
             </a:fld>
             <a:endParaRPr lang="en-IN"/>
           </a:p>
@@ -1731,7 +1731,7 @@
           <a:p>
             <a:fld id="{6A3A2322-4CA8-41DC-B141-A4664ADA6422}" type="datetimeFigureOut">
               <a:rPr lang="en-IN" smtClean="0"/>
-              <a:t>24-12-2024</a:t>
+              <a:t>25-12-2024</a:t>
             </a:fld>
             <a:endParaRPr lang="en-IN"/>
           </a:p>
@@ -1826,7 +1826,7 @@
           <a:p>
             <a:fld id="{6A3A2322-4CA8-41DC-B141-A4664ADA6422}" type="datetimeFigureOut">
               <a:rPr lang="en-IN" smtClean="0"/>
-              <a:t>24-12-2024</a:t>
+              <a:t>25-12-2024</a:t>
             </a:fld>
             <a:endParaRPr lang="en-IN"/>
           </a:p>
@@ -2103,7 +2103,7 @@
           <a:p>
             <a:fld id="{6A3A2322-4CA8-41DC-B141-A4664ADA6422}" type="datetimeFigureOut">
               <a:rPr lang="en-IN" smtClean="0"/>
-              <a:t>24-12-2024</a:t>
+              <a:t>25-12-2024</a:t>
             </a:fld>
             <a:endParaRPr lang="en-IN"/>
           </a:p>
@@ -2360,7 +2360,7 @@
           <a:p>
             <a:fld id="{6A3A2322-4CA8-41DC-B141-A4664ADA6422}" type="datetimeFigureOut">
               <a:rPr lang="en-IN" smtClean="0"/>
-              <a:t>24-12-2024</a:t>
+              <a:t>25-12-2024</a:t>
             </a:fld>
             <a:endParaRPr lang="en-IN"/>
           </a:p>
@@ -2573,7 +2573,7 @@
           <a:p>
             <a:fld id="{6A3A2322-4CA8-41DC-B141-A4664ADA6422}" type="datetimeFigureOut">
               <a:rPr lang="en-IN" smtClean="0"/>
-              <a:t>24-12-2024</a:t>
+              <a:t>25-12-2024</a:t>
             </a:fld>
             <a:endParaRPr lang="en-IN"/>
           </a:p>
@@ -4774,10 +4774,10 @@
       </p:pic>
       <p:pic>
         <p:nvPicPr>
-          <p:cNvPr id="14" name="Picture 13">
+          <p:cNvPr id="16" name="Picture 15">
             <a:extLst>
               <a:ext uri="{FF2B5EF4-FFF2-40B4-BE49-F238E27FC236}">
-                <a16:creationId xmlns:a16="http://schemas.microsoft.com/office/drawing/2014/main" id="{70A910E9-8B4D-2A5C-64AE-5F4227744A56}"/>
+                <a16:creationId xmlns:a16="http://schemas.microsoft.com/office/drawing/2014/main" id="{AAEAB800-9CD7-A15E-DF71-906D4335C449}"/>
               </a:ext>
             </a:extLst>
           </p:cNvPr>
@@ -4794,8 +4794,8 @@
         </p:blipFill>
         <p:spPr>
           <a:xfrm>
-            <a:off x="304364" y="3466478"/>
-            <a:ext cx="3610479" cy="371527"/>
+            <a:off x="304364" y="4017595"/>
+            <a:ext cx="4608830" cy="3086804"/>
           </a:xfrm>
           <a:prstGeom prst="rect">
             <a:avLst/>
@@ -4809,10 +4809,10 @@
       </p:pic>
       <p:pic>
         <p:nvPicPr>
-          <p:cNvPr id="16" name="Picture 15">
+          <p:cNvPr id="18" name="Picture 17">
             <a:extLst>
               <a:ext uri="{FF2B5EF4-FFF2-40B4-BE49-F238E27FC236}">
-                <a16:creationId xmlns:a16="http://schemas.microsoft.com/office/drawing/2014/main" id="{AAEAB800-9CD7-A15E-DF71-906D4335C449}"/>
+                <a16:creationId xmlns:a16="http://schemas.microsoft.com/office/drawing/2014/main" id="{B9132625-9DA3-9A58-57B6-179A45A50CAA}"/>
               </a:ext>
             </a:extLst>
           </p:cNvPr>
@@ -4829,8 +4829,8 @@
         </p:blipFill>
         <p:spPr>
           <a:xfrm>
-            <a:off x="304364" y="4017595"/>
-            <a:ext cx="4608830" cy="3086804"/>
+            <a:off x="304364" y="7283989"/>
+            <a:ext cx="3177815" cy="434378"/>
           </a:xfrm>
           <a:prstGeom prst="rect">
             <a:avLst/>
@@ -4844,10 +4844,10 @@
       </p:pic>
       <p:pic>
         <p:nvPicPr>
-          <p:cNvPr id="18" name="Picture 17">
+          <p:cNvPr id="20" name="Picture 19">
             <a:extLst>
               <a:ext uri="{FF2B5EF4-FFF2-40B4-BE49-F238E27FC236}">
-                <a16:creationId xmlns:a16="http://schemas.microsoft.com/office/drawing/2014/main" id="{B9132625-9DA3-9A58-57B6-179A45A50CAA}"/>
+                <a16:creationId xmlns:a16="http://schemas.microsoft.com/office/drawing/2014/main" id="{EEA6CBAC-259A-B20F-7F31-0D1C6CFE10BD}"/>
               </a:ext>
             </a:extLst>
           </p:cNvPr>
@@ -4864,8 +4864,8 @@
         </p:blipFill>
         <p:spPr>
           <a:xfrm>
-            <a:off x="304364" y="7283989"/>
-            <a:ext cx="3177815" cy="434378"/>
+            <a:off x="304364" y="7892799"/>
+            <a:ext cx="5864903" cy="332458"/>
           </a:xfrm>
           <a:prstGeom prst="rect">
             <a:avLst/>
@@ -4879,10 +4879,10 @@
       </p:pic>
       <p:pic>
         <p:nvPicPr>
-          <p:cNvPr id="20" name="Picture 19">
+          <p:cNvPr id="4" name="Picture 3">
             <a:extLst>
               <a:ext uri="{FF2B5EF4-FFF2-40B4-BE49-F238E27FC236}">
-                <a16:creationId xmlns:a16="http://schemas.microsoft.com/office/drawing/2014/main" id="{EEA6CBAC-259A-B20F-7F31-0D1C6CFE10BD}"/>
+                <a16:creationId xmlns:a16="http://schemas.microsoft.com/office/drawing/2014/main" id="{E68C3750-A399-2B47-F59A-9B3A90379CDF}"/>
               </a:ext>
             </a:extLst>
           </p:cNvPr>
@@ -4899,8 +4899,8 @@
         </p:blipFill>
         <p:spPr>
           <a:xfrm>
-            <a:off x="304364" y="7892799"/>
-            <a:ext cx="5864903" cy="332458"/>
+            <a:off x="304364" y="8399689"/>
+            <a:ext cx="4854490" cy="245042"/>
           </a:xfrm>
           <a:prstGeom prst="rect">
             <a:avLst/>
@@ -4914,10 +4914,10 @@
       </p:pic>
       <p:pic>
         <p:nvPicPr>
-          <p:cNvPr id="4" name="Picture 3">
+          <p:cNvPr id="5" name="Picture 4">
             <a:extLst>
               <a:ext uri="{FF2B5EF4-FFF2-40B4-BE49-F238E27FC236}">
-                <a16:creationId xmlns:a16="http://schemas.microsoft.com/office/drawing/2014/main" id="{E68C3750-A399-2B47-F59A-9B3A90379CDF}"/>
+                <a16:creationId xmlns:a16="http://schemas.microsoft.com/office/drawing/2014/main" id="{F4C319D5-F024-02F6-CC9B-4920E7F25813}"/>
               </a:ext>
             </a:extLst>
           </p:cNvPr>
@@ -4934,8 +4934,8 @@
         </p:blipFill>
         <p:spPr>
           <a:xfrm>
-            <a:off x="304364" y="8399689"/>
-            <a:ext cx="4854490" cy="245042"/>
+            <a:off x="304364" y="3466478"/>
+            <a:ext cx="3581900" cy="371527"/>
           </a:xfrm>
           <a:prstGeom prst="rect">
             <a:avLst/>
